--- a/RESX/ProML Flow Diagram.pptx
+++ b/RESX/ProML Flow Diagram.pptx
@@ -104,6 +104,11 @@
       </a:defRPr>
     </a:lvl9pPr>
   </p:defaultTextStyle>
+  <p:extLst>
+    <p:ext uri="{EFAFB233-063F-42B5-8137-9DF3F51BA10A}">
+      <p15:sldGuideLst xmlns:p15="http://schemas.microsoft.com/office/powerpoint/2012/main"/>
+    </p:ext>
+  </p:extLst>
 </p:presentation>
 </file>
 
@@ -3000,20 +3005,12 @@
           <a:lstStyle/>
           <a:p>
             <a:r>
-              <a:rPr lang="en-US" b="1" dirty="0" err="1" smtClean="0">
-                <a:latin typeface="Arial" charset="0"/>
-                <a:ea typeface="Arial" charset="0"/>
-                <a:cs typeface="Arial" charset="0"/>
-              </a:rPr>
-              <a:t>ProML</a:t>
-            </a:r>
-            <a:r>
               <a:rPr lang="en-US" b="1" dirty="0" smtClean="0">
                 <a:latin typeface="Arial" charset="0"/>
                 <a:ea typeface="Arial" charset="0"/>
                 <a:cs typeface="Arial" charset="0"/>
               </a:rPr>
-              <a:t> Data Input</a:t>
+              <a:t>ProML Data Input</a:t>
             </a:r>
             <a:endParaRPr lang="en-US" dirty="0" smtClean="0">
               <a:latin typeface="Arial" charset="0"/>
@@ -3159,23 +3156,7 @@
                 <a:ea typeface="Arial" charset="0"/>
                 <a:cs typeface="Arial" charset="0"/>
               </a:rPr>
-              <a:t>Analyze Data with </a:t>
-            </a:r>
-            <a:r>
-              <a:rPr lang="en-US" sz="1400" dirty="0" err="1" smtClean="0">
-                <a:latin typeface="Arial" charset="0"/>
-                <a:ea typeface="Arial" charset="0"/>
-                <a:cs typeface="Arial" charset="0"/>
-              </a:rPr>
-              <a:t>ProML</a:t>
-            </a:r>
-            <a:r>
-              <a:rPr lang="en-US" sz="1400" dirty="0" smtClean="0">
-                <a:latin typeface="Arial" charset="0"/>
-                <a:ea typeface="Arial" charset="0"/>
-                <a:cs typeface="Arial" charset="0"/>
-              </a:rPr>
-              <a:t> Model</a:t>
+              <a:t>Analyze Data with ProML Model</a:t>
             </a:r>
             <a:endParaRPr lang="en-US" sz="1400" dirty="0">
               <a:latin typeface="Arial" charset="0"/>
@@ -3230,23 +3211,7 @@
                 <a:ea typeface="Arial" charset="0"/>
                 <a:cs typeface="Arial" charset="0"/>
               </a:rPr>
-              <a:t>Train </a:t>
-            </a:r>
-            <a:r>
-              <a:rPr lang="en-US" sz="1400" dirty="0" err="1" smtClean="0">
-                <a:latin typeface="Arial" charset="0"/>
-                <a:ea typeface="Arial" charset="0"/>
-                <a:cs typeface="Arial" charset="0"/>
-              </a:rPr>
-              <a:t>ProML</a:t>
-            </a:r>
-            <a:r>
-              <a:rPr lang="en-US" sz="1400" dirty="0" smtClean="0">
-                <a:latin typeface="Arial" charset="0"/>
-                <a:ea typeface="Arial" charset="0"/>
-                <a:cs typeface="Arial" charset="0"/>
-              </a:rPr>
-              <a:t> Model</a:t>
+              <a:t>Train ProML Model</a:t>
             </a:r>
             <a:endParaRPr lang="en-US" sz="1400" dirty="0">
               <a:latin typeface="Arial" charset="0"/>
@@ -3339,36 +3304,23 @@
           <a:p>
             <a:pPr algn="ctr"/>
             <a:r>
-              <a:rPr lang="en-US" dirty="0" err="1" smtClean="0">
+              <a:rPr lang="en-US" dirty="0" smtClean="0">
                 <a:latin typeface="Arial" charset="0"/>
                 <a:ea typeface="Arial" charset="0"/>
                 <a:cs typeface="Arial" charset="0"/>
               </a:rPr>
               <a:t>ProML</a:t>
             </a:r>
-            <a:endParaRPr lang="en-US" dirty="0" smtClean="0">
-              <a:latin typeface="Arial" charset="0"/>
-              <a:ea typeface="Arial" charset="0"/>
-              <a:cs typeface="Arial" charset="0"/>
-            </a:endParaRPr>
           </a:p>
           <a:p>
             <a:pPr algn="ctr"/>
             <a:r>
-              <a:rPr lang="en-US" dirty="0" err="1" smtClean="0">
+              <a:rPr lang="en-US" dirty="0" smtClean="0">
                 <a:latin typeface="Arial" charset="0"/>
                 <a:ea typeface="Arial" charset="0"/>
                 <a:cs typeface="Arial" charset="0"/>
               </a:rPr>
-              <a:t>Postp</a:t>
-            </a:r>
-            <a:r>
-              <a:rPr lang="en-US" dirty="0" err="1" smtClean="0">
-                <a:latin typeface="Arial" charset="0"/>
-                <a:ea typeface="Arial" charset="0"/>
-                <a:cs typeface="Arial" charset="0"/>
-              </a:rPr>
-              <a:t>rocessing</a:t>
+              <a:t>Post Processing</a:t>
             </a:r>
             <a:endParaRPr lang="en-US" dirty="0">
               <a:latin typeface="Arial" charset="0"/>
@@ -3514,20 +3466,12 @@
           <a:lstStyle/>
           <a:p>
             <a:r>
-              <a:rPr lang="en-US" dirty="0" err="1" smtClean="0">
-                <a:latin typeface="Arial" charset="0"/>
-                <a:ea typeface="Arial" charset="0"/>
-                <a:cs typeface="Arial" charset="0"/>
-              </a:rPr>
-              <a:t>ProML</a:t>
-            </a:r>
-            <a:r>
               <a:rPr lang="en-US" dirty="0" smtClean="0">
                 <a:latin typeface="Arial" charset="0"/>
                 <a:ea typeface="Arial" charset="0"/>
                 <a:cs typeface="Arial" charset="0"/>
               </a:rPr>
-              <a:t> Back End</a:t>
+              <a:t>ProML Back End</a:t>
             </a:r>
             <a:endParaRPr lang="en-US" dirty="0">
               <a:latin typeface="Arial" charset="0"/>
@@ -3576,20 +3520,12 @@
           <a:lstStyle/>
           <a:p>
             <a:r>
-              <a:rPr lang="en-US" dirty="0" err="1" smtClean="0">
-                <a:latin typeface="Arial" charset="0"/>
-                <a:ea typeface="Arial" charset="0"/>
-                <a:cs typeface="Arial" charset="0"/>
-              </a:rPr>
-              <a:t>ProML</a:t>
-            </a:r>
-            <a:r>
               <a:rPr lang="en-US" dirty="0" smtClean="0">
                 <a:latin typeface="Arial" charset="0"/>
                 <a:ea typeface="Arial" charset="0"/>
                 <a:cs typeface="Arial" charset="0"/>
               </a:rPr>
-              <a:t> Front End</a:t>
+              <a:t>ProML Front End</a:t>
             </a:r>
             <a:endParaRPr lang="en-US" dirty="0">
               <a:latin typeface="Arial" charset="0"/>
@@ -3798,23 +3734,7 @@
                 <a:ea typeface="Arial" charset="0"/>
                 <a:cs typeface="Arial" charset="0"/>
               </a:rPr>
-              <a:t>Submit Job to </a:t>
-            </a:r>
-            <a:r>
-              <a:rPr lang="en-US" sz="1400" dirty="0" err="1" smtClean="0">
-                <a:latin typeface="Arial" charset="0"/>
-                <a:ea typeface="Arial" charset="0"/>
-                <a:cs typeface="Arial" charset="0"/>
-              </a:rPr>
-              <a:t>ProML</a:t>
-            </a:r>
-            <a:r>
-              <a:rPr lang="en-US" sz="1400" dirty="0" smtClean="0">
-                <a:latin typeface="Arial" charset="0"/>
-                <a:ea typeface="Arial" charset="0"/>
-                <a:cs typeface="Arial" charset="0"/>
-              </a:rPr>
-              <a:t> Queue</a:t>
+              <a:t>Submit Job to ProML Queue</a:t>
             </a:r>
             <a:endParaRPr lang="en-US" sz="1400" dirty="0">
               <a:latin typeface="Arial" charset="0"/>
@@ -4074,18 +3994,13 @@
           <a:p>
             <a:pPr algn="ctr"/>
             <a:r>
-              <a:rPr lang="en-US" dirty="0" err="1" smtClean="0">
+              <a:rPr lang="en-US" dirty="0" smtClean="0">
                 <a:latin typeface="Arial" charset="0"/>
                 <a:ea typeface="Arial" charset="0"/>
                 <a:cs typeface="Arial" charset="0"/>
               </a:rPr>
               <a:t>ProML</a:t>
             </a:r>
-            <a:endParaRPr lang="en-US" dirty="0" smtClean="0">
-              <a:latin typeface="Arial" charset="0"/>
-              <a:ea typeface="Arial" charset="0"/>
-              <a:cs typeface="Arial" charset="0"/>
-            </a:endParaRPr>
           </a:p>
           <a:p>
             <a:pPr algn="ctr"/>
